--- a/Customer Churn Analysis.pptx
+++ b/Customer Churn Analysis.pptx
@@ -6531,6 +6531,57 @@
             </a:pPr>
             <a:r>
               <a:rPr lang="en"/>
+              <a:t>Using the models we can learn that:</a:t>
+            </a:r>
+            <a:endParaRPr/>
+          </a:p>
+          <a:p>
+            <a:pPr indent="-317500" lvl="1" marL="914400" rtl="0" algn="l">
+              <a:spcBef>
+                <a:spcPts val="0"/>
+              </a:spcBef>
+              <a:spcAft>
+                <a:spcPts val="0"/>
+              </a:spcAft>
+              <a:buSzPts val="1400"/>
+              <a:buChar char="○"/>
+            </a:pPr>
+            <a:r>
+              <a:rPr lang="en"/>
+              <a:t>Customers who were on month to month contract, paperless billing and 1st year of tenure are more likely to churn.</a:t>
+            </a:r>
+            <a:endParaRPr/>
+          </a:p>
+          <a:p>
+            <a:pPr indent="-317500" lvl="1" marL="914400" rtl="0" algn="l">
+              <a:spcBef>
+                <a:spcPts val="0"/>
+              </a:spcBef>
+              <a:spcAft>
+                <a:spcPts val="0"/>
+              </a:spcAft>
+              <a:buSzPts val="1400"/>
+              <a:buChar char="○"/>
+            </a:pPr>
+            <a:r>
+              <a:rPr lang="en"/>
+              <a:t>Monthly charges and Internet Service are some of the other aspects the model uses to predict churn.</a:t>
+            </a:r>
+            <a:endParaRPr/>
+          </a:p>
+          <a:p>
+            <a:pPr indent="-342900" lvl="0" marL="457200" rtl="0" algn="l">
+              <a:spcBef>
+                <a:spcPts val="0"/>
+              </a:spcBef>
+              <a:spcAft>
+                <a:spcPts val="0"/>
+              </a:spcAft>
+              <a:buSzPts val="1800"/>
+              <a:buChar char="●"/>
+            </a:pPr>
+            <a:r>
+              <a:rPr lang="en"/>
               <a:t>The next steps would be to identify customers likely to churn (using the model that we had created) and develop focused customer retention </a:t>
             </a:r>
             <a:r>
@@ -6553,21 +6604,6 @@
             <a:r>
               <a:rPr lang="en"/>
               <a:t>Some examples of customer retention ideas include: loyalty programs, gather customer feedback and communication, proper onboarding within 1 year of tenure and setting customer expectations. </a:t>
-            </a:r>
-            <a:endParaRPr/>
-          </a:p>
-          <a:p>
-            <a:pPr indent="0" lvl="0" marL="0" rtl="0" algn="l">
-              <a:spcBef>
-                <a:spcPts val="1600"/>
-              </a:spcBef>
-              <a:spcAft>
-                <a:spcPts val="0"/>
-              </a:spcAft>
-              <a:buNone/>
-            </a:pPr>
-            <a:r>
-              <a:t/>
             </a:r>
             <a:endParaRPr/>
           </a:p>
@@ -6886,7 +6922,7 @@
             </a:pPr>
             <a:r>
               <a:rPr lang="en"/>
-              <a:t>For this project we will be using the Telecommunications data (from IBM’s sample datasets) </a:t>
+              <a:t>We will use machine learning models to predict if a customer will churn using various customer attributes</a:t>
             </a:r>
             <a:endParaRPr/>
           </a:p>
@@ -6903,28 +6939,11 @@
             </a:pPr>
             <a:r>
               <a:rPr lang="en"/>
-              <a:t>We will try to predict customer behaviour using various customer attributes</a:t>
-            </a:r>
-            <a:endParaRPr/>
-          </a:p>
-          <a:p>
-            <a:pPr indent="-342900" lvl="0" marL="457200" rtl="0" algn="l">
-              <a:spcBef>
-                <a:spcPts val="0"/>
-              </a:spcBef>
-              <a:spcAft>
-                <a:spcPts val="0"/>
-              </a:spcAft>
-              <a:buSzPts val="1800"/>
-              <a:buChar char="●"/>
-            </a:pPr>
-            <a:r>
-              <a:rPr lang="en"/>
-              <a:t>We hope to use the</a:t>
+              <a:t>This</a:t>
             </a:r>
             <a:r>
               <a:rPr lang="en"/>
-              <a:t> churn analysis to develop focused customer retention programs</a:t>
+              <a:t> outcome could be used to develop focused customer retention programs</a:t>
             </a:r>
             <a:endParaRPr/>
           </a:p>
@@ -6989,7 +7008,7 @@
             </a:pPr>
             <a:r>
               <a:rPr lang="en"/>
-              <a:t>What do we already know about the data?</a:t>
+              <a:t>What do we know about the data?</a:t>
             </a:r>
             <a:endParaRPr/>
           </a:p>
@@ -7027,6 +7046,10 @@
               </a:spcAft>
               <a:buNone/>
             </a:pPr>
+            <a:r>
+              <a:rPr lang="en"/>
+              <a:t>For this project we will be using the Telecommunications data (from IBM’s sample datasets). </a:t>
+            </a:r>
             <a:r>
               <a:rPr lang="en"/>
               <a:t>The dataset has details for 7000+ customers with information about:</a:t>
@@ -7794,7 +7817,7 @@
             </a:pPr>
             <a:r>
               <a:rPr lang="en"/>
-              <a:t>Creating a model to predict churn</a:t>
+              <a:t>Modelling to predict churn</a:t>
             </a:r>
             <a:endParaRPr/>
           </a:p>
@@ -7853,57 +7876,6 @@
             <a:r>
               <a:rPr lang="en"/>
               <a:t>A logistic regression model (uses probability of a certain event to model the outcome) and a decision tree (tree-like model of decisions and their possible conditions and outcomes) were used and both predicted churn 70-80% accurately.</a:t>
-            </a:r>
-            <a:endParaRPr/>
-          </a:p>
-          <a:p>
-            <a:pPr indent="-342900" lvl="0" marL="457200" rtl="0" algn="l">
-              <a:spcBef>
-                <a:spcPts val="0"/>
-              </a:spcBef>
-              <a:spcAft>
-                <a:spcPts val="0"/>
-              </a:spcAft>
-              <a:buSzPts val="1800"/>
-              <a:buChar char="●"/>
-            </a:pPr>
-            <a:r>
-              <a:rPr lang="en"/>
-              <a:t>Using the models we can learn that:</a:t>
-            </a:r>
-            <a:endParaRPr/>
-          </a:p>
-          <a:p>
-            <a:pPr indent="-317500" lvl="1" marL="914400" rtl="0" algn="l">
-              <a:spcBef>
-                <a:spcPts val="0"/>
-              </a:spcBef>
-              <a:spcAft>
-                <a:spcPts val="0"/>
-              </a:spcAft>
-              <a:buSzPts val="1400"/>
-              <a:buChar char="○"/>
-            </a:pPr>
-            <a:r>
-              <a:rPr lang="en"/>
-              <a:t>Customers who were on month to month contract, paperless billing and 1st year of tenure are more likely to churn.</a:t>
-            </a:r>
-            <a:endParaRPr/>
-          </a:p>
-          <a:p>
-            <a:pPr indent="-317500" lvl="1" marL="914400" rtl="0" algn="l">
-              <a:spcBef>
-                <a:spcPts val="0"/>
-              </a:spcBef>
-              <a:spcAft>
-                <a:spcPts val="0"/>
-              </a:spcAft>
-              <a:buSzPts val="1400"/>
-              <a:buChar char="○"/>
-            </a:pPr>
-            <a:r>
-              <a:rPr lang="en"/>
-              <a:t>Monthly charges and Internet Service are some of the other aspects the model uses to predict churn.</a:t>
             </a:r>
             <a:endParaRPr/>
           </a:p>
